--- a/apresentacao/angular/Angular.pptx
+++ b/apresentacao/angular/Angular.pptx
@@ -207,7 +207,8 @@
           <a:p>
             <a:fld id="{8A3E5A3A-A9F7-45AE-B036-E78D2068620D}" type="datetimeFigureOut">
               <a:rPr lang="pt-BR" smtClean="0"/>
-              <a:t>02/03/2017</a:t>
+              <a:pPr/>
+              <a:t>03/03/2017</a:t>
             </a:fld>
             <a:endParaRPr lang="pt-BR"/>
           </a:p>
@@ -368,6 +369,7 @@
           <a:p>
             <a:fld id="{62C5A6D1-EEAB-47C2-8187-42E4D85A8D1F}" type="slidenum">
               <a:rPr lang="pt-BR" smtClean="0"/>
+              <a:pPr/>
               <a:t>‹nº›</a:t>
             </a:fld>
             <a:endParaRPr lang="pt-BR"/>
@@ -551,6 +553,7 @@
           <a:p>
             <a:fld id="{62C5A6D1-EEAB-47C2-8187-42E4D85A8D1F}" type="slidenum">
               <a:rPr lang="pt-BR" smtClean="0"/>
+              <a:pPr/>
               <a:t>4</a:t>
             </a:fld>
             <a:endParaRPr lang="pt-BR"/>
@@ -656,6 +659,7 @@
           <a:p>
             <a:fld id="{62C5A6D1-EEAB-47C2-8187-42E4D85A8D1F}" type="slidenum">
               <a:rPr lang="pt-BR" smtClean="0"/>
+              <a:pPr/>
               <a:t>12</a:t>
             </a:fld>
             <a:endParaRPr lang="pt-BR"/>
@@ -919,7 +923,7 @@
             <a:fld id="{4B08B4E7-A16D-426D-AD2C-351CEA288CF2}" type="datetimeFigureOut">
               <a:rPr lang="pt-BR" smtClean="0"/>
               <a:pPr/>
-              <a:t>02/03/2017</a:t>
+              <a:t>03/03/2017</a:t>
             </a:fld>
             <a:endParaRPr lang="pt-BR"/>
           </a:p>
@@ -1154,7 +1158,7 @@
             <a:fld id="{4B08B4E7-A16D-426D-AD2C-351CEA288CF2}" type="datetimeFigureOut">
               <a:rPr lang="pt-BR" smtClean="0"/>
               <a:pPr/>
-              <a:t>02/03/2017</a:t>
+              <a:t>03/03/2017</a:t>
             </a:fld>
             <a:endParaRPr lang="pt-BR"/>
           </a:p>
@@ -1446,7 +1450,7 @@
             <a:fld id="{4B08B4E7-A16D-426D-AD2C-351CEA288CF2}" type="datetimeFigureOut">
               <a:rPr lang="pt-BR" smtClean="0"/>
               <a:pPr/>
-              <a:t>02/03/2017</a:t>
+              <a:t>03/03/2017</a:t>
             </a:fld>
             <a:endParaRPr lang="pt-BR"/>
           </a:p>
@@ -1637,7 +1641,7 @@
             <a:fld id="{4B08B4E7-A16D-426D-AD2C-351CEA288CF2}" type="datetimeFigureOut">
               <a:rPr lang="pt-BR" smtClean="0"/>
               <a:pPr/>
-              <a:t>02/03/2017</a:t>
+              <a:t>03/03/2017</a:t>
             </a:fld>
             <a:endParaRPr lang="pt-BR"/>
           </a:p>
@@ -2007,7 +2011,7 @@
             <a:fld id="{4B08B4E7-A16D-426D-AD2C-351CEA288CF2}" type="datetimeFigureOut">
               <a:rPr lang="pt-BR" smtClean="0"/>
               <a:pPr/>
-              <a:t>02/03/2017</a:t>
+              <a:t>03/03/2017</a:t>
             </a:fld>
             <a:endParaRPr lang="pt-BR"/>
           </a:p>
@@ -2306,7 +2310,7 @@
             <a:fld id="{4B08B4E7-A16D-426D-AD2C-351CEA288CF2}" type="datetimeFigureOut">
               <a:rPr lang="pt-BR" smtClean="0"/>
               <a:pPr/>
-              <a:t>02/03/2017</a:t>
+              <a:t>03/03/2017</a:t>
             </a:fld>
             <a:endParaRPr lang="pt-BR"/>
           </a:p>
@@ -2740,7 +2744,7 @@
             <a:fld id="{4B08B4E7-A16D-426D-AD2C-351CEA288CF2}" type="datetimeFigureOut">
               <a:rPr lang="pt-BR" smtClean="0"/>
               <a:pPr/>
-              <a:t>02/03/2017</a:t>
+              <a:t>03/03/2017</a:t>
             </a:fld>
             <a:endParaRPr lang="pt-BR"/>
           </a:p>
@@ -2867,7 +2871,7 @@
             <a:fld id="{4B08B4E7-A16D-426D-AD2C-351CEA288CF2}" type="datetimeFigureOut">
               <a:rPr lang="pt-BR" smtClean="0"/>
               <a:pPr/>
-              <a:t>02/03/2017</a:t>
+              <a:t>03/03/2017</a:t>
             </a:fld>
             <a:endParaRPr lang="pt-BR"/>
           </a:p>
@@ -2969,7 +2973,7 @@
             <a:fld id="{4B08B4E7-A16D-426D-AD2C-351CEA288CF2}" type="datetimeFigureOut">
               <a:rPr lang="pt-BR" smtClean="0"/>
               <a:pPr/>
-              <a:t>02/03/2017</a:t>
+              <a:t>03/03/2017</a:t>
             </a:fld>
             <a:endParaRPr lang="pt-BR"/>
           </a:p>
@@ -3259,7 +3263,7 @@
             <a:fld id="{4B08B4E7-A16D-426D-AD2C-351CEA288CF2}" type="datetimeFigureOut">
               <a:rPr lang="pt-BR" smtClean="0"/>
               <a:pPr/>
-              <a:t>02/03/2017</a:t>
+              <a:t>03/03/2017</a:t>
             </a:fld>
             <a:endParaRPr lang="pt-BR"/>
           </a:p>
@@ -3637,7 +3641,7 @@
             <a:fld id="{4B08B4E7-A16D-426D-AD2C-351CEA288CF2}" type="datetimeFigureOut">
               <a:rPr lang="pt-BR" smtClean="0"/>
               <a:pPr/>
-              <a:t>02/03/2017</a:t>
+              <a:t>03/03/2017</a:t>
             </a:fld>
             <a:endParaRPr lang="pt-BR"/>
           </a:p>
@@ -4086,7 +4090,7 @@
             <a:fld id="{4B08B4E7-A16D-426D-AD2C-351CEA288CF2}" type="datetimeFigureOut">
               <a:rPr lang="pt-BR" smtClean="0"/>
               <a:pPr/>
-              <a:t>02/03/2017</a:t>
+              <a:t>03/03/2017</a:t>
             </a:fld>
             <a:endParaRPr lang="pt-BR"/>
           </a:p>
@@ -4714,6 +4718,13 @@
   <p:transition>
     <p:fade thruBlk="1"/>
   </p:transition>
+  <p:timing>
+    <p:tnLst>
+      <p:par>
+        <p:cTn id="1" dur="indefinite" restart="never" nodeType="tmRoot"/>
+      </p:par>
+    </p:tnLst>
+  </p:timing>
 </p:sld>
 </file>
 
@@ -4837,6 +4848,13 @@
   <p:transition>
     <p:fade thruBlk="1"/>
   </p:transition>
+  <p:timing>
+    <p:tnLst>
+      <p:par>
+        <p:cTn id="1" dur="indefinite" restart="never" nodeType="tmRoot"/>
+      </p:par>
+    </p:tnLst>
+  </p:timing>
 </p:sld>
 </file>
 
@@ -4958,7 +4976,11 @@
           <a:p>
             <a:r>
               <a:rPr lang="pt-BR" dirty="0" smtClean="0"/>
-              <a:t>Usados como </a:t>
+              <a:t>Utilizados </a:t>
+            </a:r>
+            <a:r>
+              <a:rPr lang="pt-BR" dirty="0" smtClean="0"/>
+              <a:t>como </a:t>
             </a:r>
             <a:r>
               <a:rPr lang="pt-BR" b="1" dirty="0" err="1" smtClean="0"/>
@@ -4976,6 +4998,13 @@
   <p:transition>
     <p:fade thruBlk="1"/>
   </p:transition>
+  <p:timing>
+    <p:tnLst>
+      <p:par>
+        <p:cTn id="1" dur="indefinite" restart="never" nodeType="tmRoot"/>
+      </p:par>
+    </p:tnLst>
+  </p:timing>
 </p:sld>
 </file>
 
@@ -5038,13 +5067,7 @@
               <a:rPr lang="pt-BR" dirty="0" smtClean="0">
                 <a:hlinkClick r:id="rId2"/>
               </a:rPr>
-              <a:t>https://</a:t>
-            </a:r>
-            <a:r>
-              <a:rPr lang="pt-BR" dirty="0" smtClean="0">
-                <a:hlinkClick r:id="rId2"/>
-              </a:rPr>
-              <a:t>github.com/akveo/ng2-admin.git</a:t>
+              <a:t>https://github.com/akveo/ng2-admin.git</a:t>
             </a:r>
             <a:endParaRPr lang="pt-BR" dirty="0" smtClean="0"/>
           </a:p>
@@ -5053,13 +5076,7 @@
               <a:rPr lang="pt-BR" dirty="0" smtClean="0">
                 <a:hlinkClick r:id="rId3"/>
               </a:rPr>
-              <a:t>https</a:t>
-            </a:r>
-            <a:r>
-              <a:rPr lang="pt-BR" dirty="0" smtClean="0">
-                <a:hlinkClick r:id="rId3"/>
-              </a:rPr>
-              <a:t>://material.angular.io/components</a:t>
+              <a:t>https://material.angular.io/components</a:t>
             </a:r>
             <a:r>
               <a:rPr lang="pt-BR" dirty="0" smtClean="0"/>
@@ -5146,6 +5163,18 @@
               <a:rPr lang="pt-BR" dirty="0" err="1" smtClean="0"/>
               <a:t>Pipes</a:t>
             </a:r>
+            <a:r>
+              <a:rPr lang="pt-BR" dirty="0" smtClean="0"/>
+              <a:t> (</a:t>
+            </a:r>
+            <a:r>
+              <a:rPr lang="pt-BR" dirty="0" err="1" smtClean="0"/>
+              <a:t>Filter</a:t>
+            </a:r>
+            <a:r>
+              <a:rPr lang="pt-BR" dirty="0" smtClean="0"/>
+              <a:t> no Angular 1.x)</a:t>
+            </a:r>
             <a:endParaRPr lang="pt-BR" dirty="0" smtClean="0"/>
           </a:p>
           <a:p>
@@ -5158,15 +5187,7 @@
           <a:p>
             <a:r>
               <a:rPr lang="pt-BR" dirty="0" smtClean="0"/>
-              <a:t>E mais https</a:t>
-            </a:r>
-            <a:r>
-              <a:rPr lang="pt-BR" dirty="0" smtClean="0"/>
-              <a:t>://angular.io/docs/ts/latest/api</a:t>
-            </a:r>
-            <a:r>
-              <a:rPr lang="pt-BR" dirty="0" smtClean="0"/>
-              <a:t>/</a:t>
+              <a:t>E mais https://angular.io/docs/ts/latest/api/</a:t>
             </a:r>
           </a:p>
           <a:p>
@@ -5182,6 +5203,13 @@
   <p:transition>
     <p:fade thruBlk="1"/>
   </p:transition>
+  <p:timing>
+    <p:tnLst>
+      <p:par>
+        <p:cTn id="1" dur="indefinite" restart="never" nodeType="tmRoot"/>
+      </p:par>
+    </p:tnLst>
+  </p:timing>
 </p:sld>
 </file>
 
@@ -5256,6 +5284,13 @@
   <p:transition>
     <p:fade thruBlk="1"/>
   </p:transition>
+  <p:timing>
+    <p:tnLst>
+      <p:par>
+        <p:cTn id="1" dur="indefinite" restart="never" nodeType="tmRoot"/>
+      </p:par>
+    </p:tnLst>
+  </p:timing>
 </p:sld>
 </file>
 
@@ -5322,6 +5357,13 @@
   <p:transition>
     <p:fade thruBlk="1"/>
   </p:transition>
+  <p:timing>
+    <p:tnLst>
+      <p:par>
+        <p:cTn id="1" dur="indefinite" restart="never" nodeType="tmRoot"/>
+      </p:par>
+    </p:tnLst>
+  </p:timing>
 </p:sld>
 </file>
 
@@ -5392,21 +5434,12 @@
                   <a:srgbClr val="FF0000"/>
                 </a:solidFill>
               </a:rPr>
-              <a:t>https://angularjs.org</a:t>
-            </a:r>
-            <a:r>
-              <a:rPr lang="pt-BR" dirty="0" smtClean="0">
-                <a:solidFill>
-                  <a:srgbClr val="FF0000"/>
-                </a:solidFill>
-              </a:rPr>
-              <a:t>/</a:t>
+              <a:t>https://angularjs.org/</a:t>
             </a:r>
             <a:r>
               <a:rPr lang="pt-BR" dirty="0" smtClean="0"/>
               <a:t> </a:t>
             </a:r>
-            <a:endParaRPr lang="pt-BR" dirty="0" smtClean="0"/>
           </a:p>
           <a:p>
             <a:r>
@@ -6013,11 +6046,7 @@
             </a:r>
             <a:r>
               <a:rPr lang="pt-BR" dirty="0" smtClean="0"/>
-              <a:t> -g @</a:t>
-            </a:r>
-            <a:r>
-              <a:rPr lang="pt-BR" dirty="0" smtClean="0"/>
-              <a:t>angular/cli</a:t>
+              <a:t> -g @angular/cli</a:t>
             </a:r>
           </a:p>
           <a:p>
@@ -6025,7 +6054,6 @@
               <a:rPr lang="pt-BR" dirty="0" smtClean="0"/>
               <a:t>https://github.com/angular/angular-cli</a:t>
             </a:r>
-            <a:endParaRPr lang="pt-BR" dirty="0" smtClean="0"/>
           </a:p>
           <a:p>
             <a:endParaRPr lang="pt-BR" dirty="0"/>
@@ -6479,7 +6507,6 @@
               <a:rPr lang="pt-BR" dirty="0" smtClean="0"/>
               <a:t>]=“valor”</a:t>
             </a:r>
-            <a:endParaRPr lang="pt-BR" dirty="0" smtClean="0"/>
           </a:p>
           <a:p>
             <a:r>
@@ -6506,7 +6533,6 @@
               <a:rPr lang="pt-BR" dirty="0" smtClean="0"/>
               <a:t>()”</a:t>
             </a:r>
-            <a:endParaRPr lang="pt-BR" dirty="0" smtClean="0"/>
           </a:p>
           <a:p>
             <a:r>
@@ -6547,7 +6573,6 @@
               <a:rPr lang="pt-BR" dirty="0" smtClean="0"/>
               <a:t>: [style.propriedade]=“valor”</a:t>
             </a:r>
-            <a:endParaRPr lang="pt-BR" dirty="0" smtClean="0"/>
           </a:p>
         </p:txBody>
       </p:sp>
